--- a/NFL Spreads.pptx
+++ b/NFL Spreads.pptx
@@ -10,9 +10,13 @@
     <p:sldId id="265" r:id="rId4"/>
     <p:sldId id="266" r:id="rId5"/>
     <p:sldId id="267" r:id="rId6"/>
-    <p:sldId id="261" r:id="rId7"/>
-    <p:sldId id="268" r:id="rId8"/>
-    <p:sldId id="263" r:id="rId9"/>
+    <p:sldId id="269" r:id="rId7"/>
+    <p:sldId id="272" r:id="rId8"/>
+    <p:sldId id="270" r:id="rId9"/>
+    <p:sldId id="271" r:id="rId10"/>
+    <p:sldId id="261" r:id="rId11"/>
+    <p:sldId id="268" r:id="rId12"/>
+    <p:sldId id="263" r:id="rId13"/>
   </p:sldIdLst>
   <p:sldSz cx="12192000" cy="6858000"/>
   <p:notesSz cx="6858000" cy="9144000"/>
@@ -111,6 +115,11 @@
       </a:defRPr>
     </a:lvl9pPr>
   </p:defaultTextStyle>
+  <p:extLst>
+    <p:ext uri="{EFAFB233-063F-42B5-8137-9DF3F51BA10A}">
+      <p15:sldGuideLst xmlns:p15="http://schemas.microsoft.com/office/powerpoint/2012/main"/>
+    </p:ext>
+  </p:extLst>
 </p:presentation>
 </file>
 
@@ -3894,6 +3903,364 @@
 </p:sld>
 </file>
 
+<file path=ppt/slides/slide10.xml><?xml version="1.0" encoding="utf-8"?>
+<p:sld xmlns:a="http://schemas.openxmlformats.org/drawingml/2006/main" xmlns:r="http://schemas.openxmlformats.org/officeDocument/2006/relationships" xmlns:p="http://schemas.openxmlformats.org/presentationml/2006/main">
+  <p:cSld>
+    <p:spTree>
+      <p:nvGrpSpPr>
+        <p:cNvPr id="1" name=""/>
+        <p:cNvGrpSpPr/>
+        <p:nvPr/>
+      </p:nvGrpSpPr>
+      <p:grpSpPr>
+        <a:xfrm>
+          <a:off x="0" y="0"/>
+          <a:ext cx="0" cy="0"/>
+          <a:chOff x="0" y="0"/>
+          <a:chExt cx="0" cy="0"/>
+        </a:xfrm>
+      </p:grpSpPr>
+      <p:sp>
+        <p:nvSpPr>
+          <p:cNvPr id="2" name="Title 1">
+            <a:extLst>
+              <a:ext uri="{FF2B5EF4-FFF2-40B4-BE49-F238E27FC236}">
+                <a16:creationId xmlns:a16="http://schemas.microsoft.com/office/drawing/2014/main" id="{FA04BF81-48FB-4B30-9A9C-6207EF1A1629}"/>
+              </a:ext>
+            </a:extLst>
+          </p:cNvPr>
+          <p:cNvSpPr>
+            <a:spLocks noGrp="1"/>
+          </p:cNvSpPr>
+          <p:nvPr>
+            <p:ph type="title"/>
+          </p:nvPr>
+        </p:nvSpPr>
+        <p:spPr/>
+        <p:txBody>
+          <a:bodyPr/>
+          <a:lstStyle/>
+          <a:p>
+            <a:r>
+              <a:rPr lang="en-US" dirty="0"/>
+              <a:t>What Did We Discover?</a:t>
+            </a:r>
+          </a:p>
+        </p:txBody>
+      </p:sp>
+      <p:sp>
+        <p:nvSpPr>
+          <p:cNvPr id="3" name="Content Placeholder 2">
+            <a:extLst>
+              <a:ext uri="{FF2B5EF4-FFF2-40B4-BE49-F238E27FC236}">
+                <a16:creationId xmlns:a16="http://schemas.microsoft.com/office/drawing/2014/main" id="{FF770D63-1BB0-490C-8111-E559941FF015}"/>
+              </a:ext>
+            </a:extLst>
+          </p:cNvPr>
+          <p:cNvSpPr>
+            <a:spLocks noGrp="1"/>
+          </p:cNvSpPr>
+          <p:nvPr>
+            <p:ph idx="1"/>
+          </p:nvPr>
+        </p:nvSpPr>
+        <p:spPr/>
+        <p:txBody>
+          <a:bodyPr/>
+          <a:lstStyle/>
+          <a:p>
+            <a:r>
+              <a:rPr lang="en-US" dirty="0"/>
+              <a:t>Expected a stronger correlation between offensive performance and covering the spread</a:t>
+            </a:r>
+          </a:p>
+          <a:p>
+            <a:r>
+              <a:rPr lang="en-US" dirty="0"/>
+              <a:t>When we did not find a correlation between offenses and covering, was more shocked to see 4</a:t>
+            </a:r>
+            <a:r>
+              <a:rPr lang="en-US" baseline="30000" dirty="0"/>
+              <a:t>th</a:t>
+            </a:r>
+            <a:r>
+              <a:rPr lang="en-US" dirty="0"/>
+              <a:t> quarter points surrender not have as much an impact as conventional wisdom would dictate</a:t>
+            </a:r>
+          </a:p>
+          <a:p>
+            <a:r>
+              <a:rPr lang="en-US" dirty="0"/>
+              <a:t>The higher the spread, the less likely the favorite is to cover</a:t>
+            </a:r>
+          </a:p>
+          <a:p>
+            <a:r>
+              <a:rPr lang="en-US" dirty="0"/>
+              <a:t>The best opportunity for the underdog to cover is the spread at -2.5 or -3, which easily translates to a field goal</a:t>
+            </a:r>
+          </a:p>
+        </p:txBody>
+      </p:sp>
+    </p:spTree>
+    <p:extLst>
+      <p:ext uri="{BB962C8B-B14F-4D97-AF65-F5344CB8AC3E}">
+        <p14:creationId xmlns:p14="http://schemas.microsoft.com/office/powerpoint/2010/main" val="4096802412"/>
+      </p:ext>
+    </p:extLst>
+  </p:cSld>
+  <p:clrMapOvr>
+    <a:masterClrMapping/>
+  </p:clrMapOvr>
+</p:sld>
+</file>
+
+<file path=ppt/slides/slide11.xml><?xml version="1.0" encoding="utf-8"?>
+<p:sld xmlns:a="http://schemas.openxmlformats.org/drawingml/2006/main" xmlns:r="http://schemas.openxmlformats.org/officeDocument/2006/relationships" xmlns:p="http://schemas.openxmlformats.org/presentationml/2006/main">
+  <p:cSld>
+    <p:spTree>
+      <p:nvGrpSpPr>
+        <p:cNvPr id="1" name=""/>
+        <p:cNvGrpSpPr/>
+        <p:nvPr/>
+      </p:nvGrpSpPr>
+      <p:grpSpPr>
+        <a:xfrm>
+          <a:off x="0" y="0"/>
+          <a:ext cx="0" cy="0"/>
+          <a:chOff x="0" y="0"/>
+          <a:chExt cx="0" cy="0"/>
+        </a:xfrm>
+      </p:grpSpPr>
+      <p:sp>
+        <p:nvSpPr>
+          <p:cNvPr id="2" name="Title 1">
+            <a:extLst>
+              <a:ext uri="{FF2B5EF4-FFF2-40B4-BE49-F238E27FC236}">
+                <a16:creationId xmlns:a16="http://schemas.microsoft.com/office/drawing/2014/main" id="{3CC0E160-367A-4C0F-80DD-82BAE54DB824}"/>
+              </a:ext>
+            </a:extLst>
+          </p:cNvPr>
+          <p:cNvSpPr>
+            <a:spLocks noGrp="1"/>
+          </p:cNvSpPr>
+          <p:nvPr>
+            <p:ph type="title"/>
+          </p:nvPr>
+        </p:nvSpPr>
+        <p:spPr/>
+        <p:txBody>
+          <a:bodyPr/>
+          <a:lstStyle/>
+          <a:p>
+            <a:r>
+              <a:rPr lang="en-US" dirty="0"/>
+              <a:t>Post Mortem</a:t>
+            </a:r>
+          </a:p>
+        </p:txBody>
+      </p:sp>
+      <p:sp>
+        <p:nvSpPr>
+          <p:cNvPr id="3" name="Content Placeholder 2">
+            <a:extLst>
+              <a:ext uri="{FF2B5EF4-FFF2-40B4-BE49-F238E27FC236}">
+                <a16:creationId xmlns:a16="http://schemas.microsoft.com/office/drawing/2014/main" id="{27B323C7-A43A-41A0-8633-A685CFA27D61}"/>
+              </a:ext>
+            </a:extLst>
+          </p:cNvPr>
+          <p:cNvSpPr>
+            <a:spLocks noGrp="1"/>
+          </p:cNvSpPr>
+          <p:nvPr>
+            <p:ph idx="1"/>
+          </p:nvPr>
+        </p:nvSpPr>
+        <p:spPr/>
+        <p:txBody>
+          <a:bodyPr/>
+          <a:lstStyle/>
+          <a:p>
+            <a:pPr>
+              <a:buFont typeface="Wingdings" panose="05000000000000000000" pitchFamily="2" charset="2"/>
+              <a:buChar char="§"/>
+            </a:pPr>
+            <a:r>
+              <a:rPr lang="en-US" dirty="0"/>
+              <a:t>Difficulties in data sources, cleaning, all team members referencing same csv files</a:t>
+            </a:r>
+          </a:p>
+          <a:p>
+            <a:pPr>
+              <a:buFont typeface="Wingdings" panose="05000000000000000000" pitchFamily="2" charset="2"/>
+              <a:buChar char="§"/>
+            </a:pPr>
+            <a:r>
+              <a:rPr lang="en-US" dirty="0"/>
+              <a:t>Ended up cutting the branches and used one master GitHub location</a:t>
+            </a:r>
+          </a:p>
+          <a:p>
+            <a:pPr>
+              <a:buFont typeface="Wingdings" panose="05000000000000000000" pitchFamily="2" charset="2"/>
+              <a:buChar char="§"/>
+            </a:pPr>
+            <a:r>
+              <a:rPr lang="en-US" dirty="0"/>
+              <a:t>In terms of identifying statistical significance in our findings, we would need to find more granular data before performing any additional regression, including:</a:t>
+            </a:r>
+          </a:p>
+          <a:p>
+            <a:pPr lvl="1">
+              <a:buFont typeface="Wingdings" panose="05000000000000000000" pitchFamily="2" charset="2"/>
+              <a:buChar char="§"/>
+            </a:pPr>
+            <a:r>
+              <a:rPr lang="en-US" dirty="0"/>
+              <a:t>Week over Week trends</a:t>
+            </a:r>
+          </a:p>
+          <a:p>
+            <a:pPr lvl="1">
+              <a:buFont typeface="Wingdings" panose="05000000000000000000" pitchFamily="2" charset="2"/>
+              <a:buChar char="§"/>
+            </a:pPr>
+            <a:r>
+              <a:rPr lang="en-US" dirty="0"/>
+              <a:t>Injuries/Suspensions</a:t>
+            </a:r>
+          </a:p>
+          <a:p>
+            <a:pPr lvl="1">
+              <a:buFont typeface="Wingdings" panose="05000000000000000000" pitchFamily="2" charset="2"/>
+              <a:buChar char="§"/>
+            </a:pPr>
+            <a:r>
+              <a:rPr lang="en-US" dirty="0"/>
+              <a:t>Weather/Dome stadium</a:t>
+            </a:r>
+          </a:p>
+          <a:p>
+            <a:pPr lvl="1">
+              <a:buFont typeface="Wingdings" panose="05000000000000000000" pitchFamily="2" charset="2"/>
+              <a:buChar char="§"/>
+            </a:pPr>
+            <a:r>
+              <a:rPr lang="en-US" dirty="0"/>
+              <a:t>Individual Match-ups</a:t>
+            </a:r>
+          </a:p>
+          <a:p>
+            <a:pPr>
+              <a:buFont typeface="Wingdings" panose="05000000000000000000" pitchFamily="2" charset="2"/>
+              <a:buChar char="§"/>
+            </a:pPr>
+            <a:r>
+              <a:rPr lang="en-US" dirty="0"/>
+              <a:t>Would like to identify a ratio to say as the spread increases, the probability of covering decreases</a:t>
+            </a:r>
+          </a:p>
+          <a:p>
+            <a:endParaRPr lang="en-US" dirty="0"/>
+          </a:p>
+        </p:txBody>
+      </p:sp>
+    </p:spTree>
+    <p:extLst>
+      <p:ext uri="{BB962C8B-B14F-4D97-AF65-F5344CB8AC3E}">
+        <p14:creationId xmlns:p14="http://schemas.microsoft.com/office/powerpoint/2010/main" val="1027640897"/>
+      </p:ext>
+    </p:extLst>
+  </p:cSld>
+  <p:clrMapOvr>
+    <a:masterClrMapping/>
+  </p:clrMapOvr>
+</p:sld>
+</file>
+
+<file path=ppt/slides/slide12.xml><?xml version="1.0" encoding="utf-8"?>
+<p:sld xmlns:a="http://schemas.openxmlformats.org/drawingml/2006/main" xmlns:r="http://schemas.openxmlformats.org/officeDocument/2006/relationships" xmlns:p="http://schemas.openxmlformats.org/presentationml/2006/main">
+  <p:cSld>
+    <p:spTree>
+      <p:nvGrpSpPr>
+        <p:cNvPr id="1" name=""/>
+        <p:cNvGrpSpPr/>
+        <p:nvPr/>
+      </p:nvGrpSpPr>
+      <p:grpSpPr>
+        <a:xfrm>
+          <a:off x="0" y="0"/>
+          <a:ext cx="0" cy="0"/>
+          <a:chOff x="0" y="0"/>
+          <a:chExt cx="0" cy="0"/>
+        </a:xfrm>
+      </p:grpSpPr>
+      <p:sp>
+        <p:nvSpPr>
+          <p:cNvPr id="2" name="Title 1">
+            <a:extLst>
+              <a:ext uri="{FF2B5EF4-FFF2-40B4-BE49-F238E27FC236}">
+                <a16:creationId xmlns:a16="http://schemas.microsoft.com/office/drawing/2014/main" id="{ECFB2C43-C028-4B11-B2B3-CCEA93B0D0E0}"/>
+              </a:ext>
+            </a:extLst>
+          </p:cNvPr>
+          <p:cNvSpPr>
+            <a:spLocks noGrp="1"/>
+          </p:cNvSpPr>
+          <p:nvPr>
+            <p:ph type="title"/>
+          </p:nvPr>
+        </p:nvSpPr>
+        <p:spPr/>
+        <p:txBody>
+          <a:bodyPr/>
+          <a:lstStyle/>
+          <a:p>
+            <a:r>
+              <a:rPr lang="en-US" dirty="0"/>
+              <a:t>Questions?</a:t>
+            </a:r>
+          </a:p>
+        </p:txBody>
+      </p:sp>
+      <p:sp>
+        <p:nvSpPr>
+          <p:cNvPr id="3" name="Content Placeholder 2">
+            <a:extLst>
+              <a:ext uri="{FF2B5EF4-FFF2-40B4-BE49-F238E27FC236}">
+                <a16:creationId xmlns:a16="http://schemas.microsoft.com/office/drawing/2014/main" id="{D830597B-1951-48D0-9FB2-059B7482651B}"/>
+              </a:ext>
+            </a:extLst>
+          </p:cNvPr>
+          <p:cNvSpPr>
+            <a:spLocks noGrp="1"/>
+          </p:cNvSpPr>
+          <p:nvPr>
+            <p:ph idx="1"/>
+          </p:nvPr>
+        </p:nvSpPr>
+        <p:spPr/>
+        <p:txBody>
+          <a:bodyPr/>
+          <a:lstStyle/>
+          <a:p>
+            <a:endParaRPr lang="en-US"/>
+          </a:p>
+        </p:txBody>
+      </p:sp>
+    </p:spTree>
+    <p:extLst>
+      <p:ext uri="{BB962C8B-B14F-4D97-AF65-F5344CB8AC3E}">
+        <p14:creationId xmlns:p14="http://schemas.microsoft.com/office/powerpoint/2010/main" val="885102438"/>
+      </p:ext>
+    </p:extLst>
+  </p:cSld>
+  <p:clrMapOvr>
+    <a:masterClrMapping/>
+  </p:clrMapOvr>
+</p:sld>
+</file>
+
 <file path=ppt/slides/slide2.xml><?xml version="1.0" encoding="utf-8"?>
 <p:sld xmlns:a="http://schemas.openxmlformats.org/drawingml/2006/main" xmlns:r="http://schemas.openxmlformats.org/officeDocument/2006/relationships" xmlns:p="http://schemas.openxmlformats.org/presentationml/2006/main">
   <p:cSld>
@@ -4464,35 +4831,59 @@
             <p:ph idx="1"/>
           </p:nvPr>
         </p:nvSpPr>
-        <p:spPr/>
+        <p:spPr>
+          <a:xfrm>
+            <a:off x="1097280" y="1845734"/>
+            <a:ext cx="4477897" cy="1583266"/>
+          </a:xfrm>
+        </p:spPr>
         <p:txBody>
           <a:bodyPr/>
           <a:lstStyle/>
           <a:p>
             <a:r>
               <a:rPr lang="en-US" dirty="0"/>
-              <a:t>* Discuss the steps you took to analyze the data and answer each question you asked in your proposal</a:t>
-            </a:r>
-          </a:p>
-          <a:p>
-            <a:r>
-              <a:rPr lang="en-US" dirty="0"/>
-              <a:t>* Present and discuss interesting figures developed during analysis, ideally with the help of </a:t>
-            </a:r>
-            <a:r>
-              <a:rPr lang="en-US" dirty="0" err="1"/>
-              <a:t>Jupyter</a:t>
-            </a:r>
-            <a:r>
-              <a:rPr lang="en-US" dirty="0"/>
-              <a:t> Notebook</a:t>
-            </a:r>
-          </a:p>
-          <a:p>
-            <a:endParaRPr lang="en-US" dirty="0"/>
-          </a:p>
-        </p:txBody>
-      </p:sp>
+              <a:t>There was a stark range of total wins for NFL teams in 2018; however, the vast majority of teams in 2018 were within a few games of .500 when going against the spread</a:t>
+            </a:r>
+          </a:p>
+        </p:txBody>
+      </p:sp>
+      <p:pic>
+        <p:nvPicPr>
+          <p:cNvPr id="8" name="Picture 7" descr="A close up of a logo&#10;&#10;Description automatically generated">
+            <a:extLst>
+              <a:ext uri="{FF2B5EF4-FFF2-40B4-BE49-F238E27FC236}">
+                <a16:creationId xmlns:a16="http://schemas.microsoft.com/office/drawing/2014/main" id="{944E3B36-1AEF-4D4F-B0AD-E2B965FB967B}"/>
+              </a:ext>
+            </a:extLst>
+          </p:cNvPr>
+          <p:cNvPicPr>
+            <a:picLocks noChangeAspect="1"/>
+          </p:cNvPicPr>
+          <p:nvPr/>
+        </p:nvPicPr>
+        <p:blipFill>
+          <a:blip r:embed="rId2">
+            <a:extLst>
+              <a:ext uri="{28A0092B-C50C-407E-A947-70E740481C1C}">
+                <a14:useLocalDpi xmlns:a14="http://schemas.microsoft.com/office/drawing/2010/main" val="0"/>
+              </a:ext>
+            </a:extLst>
+          </a:blip>
+          <a:stretch>
+            <a:fillRect/>
+          </a:stretch>
+        </p:blipFill>
+        <p:spPr>
+          <a:xfrm>
+            <a:off x="1561475" y="3429000"/>
+            <a:ext cx="3915401" cy="2610267"/>
+          </a:xfrm>
+          <a:prstGeom prst="rect">
+            <a:avLst/>
+          </a:prstGeom>
+        </p:spPr>
+      </p:pic>
     </p:spTree>
     <p:extLst>
       <p:ext uri="{BB962C8B-B14F-4D97-AF65-F5344CB8AC3E}">
@@ -4528,7 +4919,7 @@
           <p:cNvPr id="2" name="Title 1">
             <a:extLst>
               <a:ext uri="{FF2B5EF4-FFF2-40B4-BE49-F238E27FC236}">
-                <a16:creationId xmlns:a16="http://schemas.microsoft.com/office/drawing/2014/main" id="{FA04BF81-48FB-4B30-9A9C-6207EF1A1629}"/>
+                <a16:creationId xmlns:a16="http://schemas.microsoft.com/office/drawing/2014/main" id="{238AD6DF-D193-4B74-A7EE-461FB14533FF}"/>
               </a:ext>
             </a:extLst>
           </p:cNvPr>
@@ -4546,7 +4937,7 @@
           <a:p>
             <a:r>
               <a:rPr lang="en-US" dirty="0"/>
-              <a:t>Discussion</a:t>
+              <a:t>What are we finding?</a:t>
             </a:r>
           </a:p>
         </p:txBody>
@@ -4556,7 +4947,7 @@
           <p:cNvPr id="3" name="Content Placeholder 2">
             <a:extLst>
               <a:ext uri="{FF2B5EF4-FFF2-40B4-BE49-F238E27FC236}">
-                <a16:creationId xmlns:a16="http://schemas.microsoft.com/office/drawing/2014/main" id="{FF770D63-1BB0-490C-8111-E559941FF015}"/>
+                <a16:creationId xmlns:a16="http://schemas.microsoft.com/office/drawing/2014/main" id="{2A9341DA-7F55-4094-955D-2EC7A9D62A8A}"/>
               </a:ext>
             </a:extLst>
           </p:cNvPr>
@@ -4567,22 +4958,98 @@
             <p:ph idx="1"/>
           </p:nvPr>
         </p:nvSpPr>
-        <p:spPr/>
-        <p:txBody>
-          <a:bodyPr/>
+        <p:spPr>
+          <a:xfrm>
+            <a:off x="1097280" y="1845734"/>
+            <a:ext cx="4864608" cy="4023360"/>
+          </a:xfrm>
+        </p:spPr>
+        <p:txBody>
+          <a:bodyPr>
+            <a:normAutofit fontScale="92500" lnSpcReduction="20000"/>
+          </a:bodyPr>
           <a:lstStyle/>
           <a:p>
             <a:r>
               <a:rPr lang="en-US" dirty="0"/>
-              <a:t>* Discuss your findings. Did you find what you expected to find? If not, why not? What inferences or general conclusions can you draw from your analysis?</a:t>
-            </a:r>
-          </a:p>
-        </p:txBody>
-      </p:sp>
+              <a:t>Average Margin of Victory in the NFL was 10.96 points</a:t>
+            </a:r>
+          </a:p>
+          <a:p>
+            <a:r>
+              <a:rPr lang="en-US" dirty="0"/>
+              <a:t>The Average spread was -5.335</a:t>
+            </a:r>
+          </a:p>
+          <a:p>
+            <a:r>
+              <a:rPr lang="en-US" dirty="0"/>
+              <a:t>If for no other strategy, you would have been a loser gambling only on the favorites for the 2018 season: they were a combined 122 – 134 – 11</a:t>
+            </a:r>
+          </a:p>
+          <a:p>
+            <a:r>
+              <a:rPr lang="en-US" dirty="0"/>
+              <a:t>Average Margin of Victory for the Favorite: 16.04 points</a:t>
+            </a:r>
+          </a:p>
+          <a:p>
+            <a:r>
+              <a:rPr lang="en-US" dirty="0"/>
+              <a:t>Average Margin of Victory for the Underdog: 6.89 points</a:t>
+            </a:r>
+          </a:p>
+          <a:p>
+            <a:endParaRPr lang="en-US" dirty="0"/>
+          </a:p>
+          <a:p>
+            <a:r>
+              <a:rPr lang="en-US" dirty="0"/>
+              <a:t>We wanted to find a better strategy than betting the favorites</a:t>
+            </a:r>
+          </a:p>
+        </p:txBody>
+      </p:sp>
+      <p:pic>
+        <p:nvPicPr>
+          <p:cNvPr id="7" name="Picture 6" descr="A screenshot of a cell phone&#10;&#10;Description automatically generated">
+            <a:extLst>
+              <a:ext uri="{FF2B5EF4-FFF2-40B4-BE49-F238E27FC236}">
+                <a16:creationId xmlns:a16="http://schemas.microsoft.com/office/drawing/2014/main" id="{0DBEA56B-BBB3-4B8B-B1D4-00A36B0C5978}"/>
+              </a:ext>
+            </a:extLst>
+          </p:cNvPr>
+          <p:cNvPicPr>
+            <a:picLocks noChangeAspect="1"/>
+          </p:cNvPicPr>
+          <p:nvPr/>
+        </p:nvPicPr>
+        <p:blipFill>
+          <a:blip r:embed="rId2">
+            <a:extLst>
+              <a:ext uri="{28A0092B-C50C-407E-A947-70E740481C1C}">
+                <a14:useLocalDpi xmlns:a14="http://schemas.microsoft.com/office/drawing/2010/main" val="0"/>
+              </a:ext>
+            </a:extLst>
+          </a:blip>
+          <a:stretch>
+            <a:fillRect/>
+          </a:stretch>
+        </p:blipFill>
+        <p:spPr>
+          <a:xfrm>
+            <a:off x="6096001" y="1845734"/>
+            <a:ext cx="6035039" cy="4023359"/>
+          </a:xfrm>
+          <a:prstGeom prst="rect">
+            <a:avLst/>
+          </a:prstGeom>
+        </p:spPr>
+      </p:pic>
     </p:spTree>
     <p:extLst>
       <p:ext uri="{BB962C8B-B14F-4D97-AF65-F5344CB8AC3E}">
-        <p14:creationId xmlns:p14="http://schemas.microsoft.com/office/powerpoint/2010/main" val="4096802412"/>
+        <p14:creationId xmlns:p14="http://schemas.microsoft.com/office/powerpoint/2010/main" val="1502759563"/>
       </p:ext>
     </p:extLst>
   </p:cSld>
@@ -4614,7 +5081,7 @@
           <p:cNvPr id="2" name="Title 1">
             <a:extLst>
               <a:ext uri="{FF2B5EF4-FFF2-40B4-BE49-F238E27FC236}">
-                <a16:creationId xmlns:a16="http://schemas.microsoft.com/office/drawing/2014/main" id="{3CC0E160-367A-4C0F-80DD-82BAE54DB824}"/>
+                <a16:creationId xmlns:a16="http://schemas.microsoft.com/office/drawing/2014/main" id="{D41B768D-6F05-4D2D-82BB-3515C5D50A51}"/>
               </a:ext>
             </a:extLst>
           </p:cNvPr>
@@ -4632,7 +5099,7 @@
           <a:p>
             <a:r>
               <a:rPr lang="en-US" dirty="0"/>
-              <a:t>Post Mortem</a:t>
+              <a:t>Additional Scenarios</a:t>
             </a:r>
           </a:p>
         </p:txBody>
@@ -4642,7 +5109,7 @@
           <p:cNvPr id="3" name="Content Placeholder 2">
             <a:extLst>
               <a:ext uri="{FF2B5EF4-FFF2-40B4-BE49-F238E27FC236}">
-                <a16:creationId xmlns:a16="http://schemas.microsoft.com/office/drawing/2014/main" id="{27B323C7-A43A-41A0-8633-A685CFA27D61}"/>
+                <a16:creationId xmlns:a16="http://schemas.microsoft.com/office/drawing/2014/main" id="{F0B73EFD-720C-4E1D-832B-8EF42A04D963}"/>
               </a:ext>
             </a:extLst>
           </p:cNvPr>
@@ -4653,37 +5120,99 @@
             <p:ph idx="1"/>
           </p:nvPr>
         </p:nvSpPr>
-        <p:spPr/>
+        <p:spPr>
+          <a:xfrm>
+            <a:off x="1097280" y="1826880"/>
+            <a:ext cx="10058400" cy="4023360"/>
+          </a:xfrm>
+        </p:spPr>
         <p:txBody>
           <a:bodyPr/>
           <a:lstStyle/>
           <a:p>
             <a:r>
               <a:rPr lang="en-US" dirty="0"/>
-              <a:t>* Discuss any difficulties that arose, and how you dealt with them</a:t>
-            </a:r>
-          </a:p>
-          <a:p>
-            <a:r>
-              <a:rPr lang="en-US" dirty="0"/>
-              <a:t>* Discuss any additional questions that came up, but which you didn't have time to answer: What would you research next, if you had two more weeks?</a:t>
-            </a:r>
-          </a:p>
-          <a:p>
-            <a:r>
-              <a:rPr lang="en-US" dirty="0"/>
-              <a:t>​</a:t>
-            </a:r>
-          </a:p>
-          <a:p>
-            <a:endParaRPr lang="en-US" dirty="0"/>
-          </a:p>
-        </p:txBody>
-      </p:sp>
+              <a:t>A few other team-based trends we tried to identify:</a:t>
+            </a:r>
+          </a:p>
+        </p:txBody>
+      </p:sp>
+      <p:pic>
+        <p:nvPicPr>
+          <p:cNvPr id="7" name="Picture 6" descr="A screenshot of a cell phone&#10;&#10;Description automatically generated">
+            <a:extLst>
+              <a:ext uri="{FF2B5EF4-FFF2-40B4-BE49-F238E27FC236}">
+                <a16:creationId xmlns:a16="http://schemas.microsoft.com/office/drawing/2014/main" id="{0B184F84-3E00-4430-8C44-9277C5F7646A}"/>
+              </a:ext>
+            </a:extLst>
+          </p:cNvPr>
+          <p:cNvPicPr>
+            <a:picLocks noChangeAspect="1"/>
+          </p:cNvPicPr>
+          <p:nvPr/>
+        </p:nvPicPr>
+        <p:blipFill>
+          <a:blip r:embed="rId2">
+            <a:extLst>
+              <a:ext uri="{28A0092B-C50C-407E-A947-70E740481C1C}">
+                <a14:useLocalDpi xmlns:a14="http://schemas.microsoft.com/office/drawing/2010/main" val="0"/>
+              </a:ext>
+            </a:extLst>
+          </a:blip>
+          <a:stretch>
+            <a:fillRect/>
+          </a:stretch>
+        </p:blipFill>
+        <p:spPr>
+          <a:xfrm>
+            <a:off x="6704350" y="2281327"/>
+            <a:ext cx="5487650" cy="3658433"/>
+          </a:xfrm>
+          <a:prstGeom prst="rect">
+            <a:avLst/>
+          </a:prstGeom>
+        </p:spPr>
+      </p:pic>
+      <p:pic>
+        <p:nvPicPr>
+          <p:cNvPr id="9" name="Picture 8" descr="A screenshot of a cell phone&#10;&#10;Description automatically generated">
+            <a:extLst>
+              <a:ext uri="{FF2B5EF4-FFF2-40B4-BE49-F238E27FC236}">
+                <a16:creationId xmlns:a16="http://schemas.microsoft.com/office/drawing/2014/main" id="{26338776-B413-457C-BE31-62FE4D6D2CA4}"/>
+              </a:ext>
+            </a:extLst>
+          </p:cNvPr>
+          <p:cNvPicPr>
+            <a:picLocks noChangeAspect="1"/>
+          </p:cNvPicPr>
+          <p:nvPr/>
+        </p:nvPicPr>
+        <p:blipFill>
+          <a:blip r:embed="rId3">
+            <a:extLst>
+              <a:ext uri="{28A0092B-C50C-407E-A947-70E740481C1C}">
+                <a14:useLocalDpi xmlns:a14="http://schemas.microsoft.com/office/drawing/2010/main" val="0"/>
+              </a:ext>
+            </a:extLst>
+          </a:blip>
+          <a:stretch>
+            <a:fillRect/>
+          </a:stretch>
+        </p:blipFill>
+        <p:spPr>
+          <a:xfrm>
+            <a:off x="1156990" y="2283166"/>
+            <a:ext cx="5487650" cy="3658433"/>
+          </a:xfrm>
+          <a:prstGeom prst="rect">
+            <a:avLst/>
+          </a:prstGeom>
+        </p:spPr>
+      </p:pic>
     </p:spTree>
     <p:extLst>
       <p:ext uri="{BB962C8B-B14F-4D97-AF65-F5344CB8AC3E}">
-        <p14:creationId xmlns:p14="http://schemas.microsoft.com/office/powerpoint/2010/main" val="1027640897"/>
+        <p14:creationId xmlns:p14="http://schemas.microsoft.com/office/powerpoint/2010/main" val="1800126075"/>
       </p:ext>
     </p:extLst>
   </p:cSld>
@@ -4715,7 +5244,7 @@
           <p:cNvPr id="2" name="Title 1">
             <a:extLst>
               <a:ext uri="{FF2B5EF4-FFF2-40B4-BE49-F238E27FC236}">
-                <a16:creationId xmlns:a16="http://schemas.microsoft.com/office/drawing/2014/main" id="{ECFB2C43-C028-4B11-B2B3-CCEA93B0D0E0}"/>
+                <a16:creationId xmlns:a16="http://schemas.microsoft.com/office/drawing/2014/main" id="{BB02775C-143F-48AF-978C-28E27F7B947F}"/>
               </a:ext>
             </a:extLst>
           </p:cNvPr>
@@ -4733,7 +5262,7 @@
           <a:p>
             <a:r>
               <a:rPr lang="en-US" dirty="0"/>
-              <a:t>Questions?</a:t>
+              <a:t>Offensive Firepower</a:t>
             </a:r>
           </a:p>
         </p:txBody>
@@ -4743,7 +5272,7 @@
           <p:cNvPr id="3" name="Content Placeholder 2">
             <a:extLst>
               <a:ext uri="{FF2B5EF4-FFF2-40B4-BE49-F238E27FC236}">
-                <a16:creationId xmlns:a16="http://schemas.microsoft.com/office/drawing/2014/main" id="{D830597B-1951-48D0-9FB2-059B7482651B}"/>
+                <a16:creationId xmlns:a16="http://schemas.microsoft.com/office/drawing/2014/main" id="{BA9454DD-10BC-42BE-A004-FFE08700CF84}"/>
               </a:ext>
             </a:extLst>
           </p:cNvPr>
@@ -4754,19 +5283,214 @@
             <p:ph idx="1"/>
           </p:nvPr>
         </p:nvSpPr>
-        <p:spPr/>
-        <p:txBody>
-          <a:bodyPr/>
-          <a:lstStyle/>
-          <a:p>
-            <a:endParaRPr lang="en-US"/>
-          </a:p>
-        </p:txBody>
-      </p:sp>
+        <p:spPr>
+          <a:xfrm>
+            <a:off x="1097280" y="1845734"/>
+            <a:ext cx="4998720" cy="4023360"/>
+          </a:xfrm>
+        </p:spPr>
+        <p:txBody>
+          <a:bodyPr/>
+          <a:lstStyle/>
+          <a:p>
+            <a:r>
+              <a:rPr lang="en-US" dirty="0"/>
+              <a:t>The vast majority of the wins by the underdog were under 5 point spreads </a:t>
+            </a:r>
+          </a:p>
+          <a:p>
+            <a:r>
+              <a:rPr lang="en-US" dirty="0"/>
+              <a:t>19 underdogs won when the spread was -3, 11 when the spread was -2.5</a:t>
+            </a:r>
+          </a:p>
+          <a:p>
+            <a:r>
+              <a:rPr lang="en-US" dirty="0"/>
+              <a:t>Favorites were often less likely to cover the larger spreads, as shown by the multiple favorites winning, but by a fraction of the spread</a:t>
+            </a:r>
+          </a:p>
+          <a:p>
+            <a:r>
+              <a:rPr lang="en-US" dirty="0"/>
+              <a:t>Size of the circle is based on season long offensive ranking; the larger the circle, the worse the offensive ranking</a:t>
+            </a:r>
+          </a:p>
+        </p:txBody>
+      </p:sp>
+      <p:pic>
+        <p:nvPicPr>
+          <p:cNvPr id="9" name="Picture 8" descr="A screenshot of a cell phone&#10;&#10;Description automatically generated">
+            <a:extLst>
+              <a:ext uri="{FF2B5EF4-FFF2-40B4-BE49-F238E27FC236}">
+                <a16:creationId xmlns:a16="http://schemas.microsoft.com/office/drawing/2014/main" id="{27426A07-0BB6-4D30-BA4D-83E5AF764A3D}"/>
+              </a:ext>
+            </a:extLst>
+          </p:cNvPr>
+          <p:cNvPicPr>
+            <a:picLocks noChangeAspect="1"/>
+          </p:cNvPicPr>
+          <p:nvPr/>
+        </p:nvPicPr>
+        <p:blipFill>
+          <a:blip r:embed="rId2">
+            <a:extLst>
+              <a:ext uri="{28A0092B-C50C-407E-A947-70E740481C1C}">
+                <a14:useLocalDpi xmlns:a14="http://schemas.microsoft.com/office/drawing/2010/main" val="0"/>
+              </a:ext>
+            </a:extLst>
+          </a:blip>
+          <a:stretch>
+            <a:fillRect/>
+          </a:stretch>
+        </p:blipFill>
+        <p:spPr>
+          <a:xfrm>
+            <a:off x="6126480" y="1845734"/>
+            <a:ext cx="5845048" cy="3896698"/>
+          </a:xfrm>
+          <a:prstGeom prst="rect">
+            <a:avLst/>
+          </a:prstGeom>
+        </p:spPr>
+      </p:pic>
     </p:spTree>
     <p:extLst>
       <p:ext uri="{BB962C8B-B14F-4D97-AF65-F5344CB8AC3E}">
-        <p14:creationId xmlns:p14="http://schemas.microsoft.com/office/powerpoint/2010/main" val="885102438"/>
+        <p14:creationId xmlns:p14="http://schemas.microsoft.com/office/powerpoint/2010/main" val="1919579064"/>
+      </p:ext>
+    </p:extLst>
+  </p:cSld>
+  <p:clrMapOvr>
+    <a:masterClrMapping/>
+  </p:clrMapOvr>
+</p:sld>
+</file>
+
+<file path=ppt/slides/slide9.xml><?xml version="1.0" encoding="utf-8"?>
+<p:sld xmlns:a="http://schemas.openxmlformats.org/drawingml/2006/main" xmlns:r="http://schemas.openxmlformats.org/officeDocument/2006/relationships" xmlns:p="http://schemas.openxmlformats.org/presentationml/2006/main">
+  <p:cSld>
+    <p:spTree>
+      <p:nvGrpSpPr>
+        <p:cNvPr id="1" name=""/>
+        <p:cNvGrpSpPr/>
+        <p:nvPr/>
+      </p:nvGrpSpPr>
+      <p:grpSpPr>
+        <a:xfrm>
+          <a:off x="0" y="0"/>
+          <a:ext cx="0" cy="0"/>
+          <a:chOff x="0" y="0"/>
+          <a:chExt cx="0" cy="0"/>
+        </a:xfrm>
+      </p:grpSpPr>
+      <p:sp>
+        <p:nvSpPr>
+          <p:cNvPr id="2" name="Title 1">
+            <a:extLst>
+              <a:ext uri="{FF2B5EF4-FFF2-40B4-BE49-F238E27FC236}">
+                <a16:creationId xmlns:a16="http://schemas.microsoft.com/office/drawing/2014/main" id="{5AB91906-267E-47AB-9663-D637E1F226F5}"/>
+              </a:ext>
+            </a:extLst>
+          </p:cNvPr>
+          <p:cNvSpPr>
+            <a:spLocks noGrp="1"/>
+          </p:cNvSpPr>
+          <p:nvPr>
+            <p:ph type="title"/>
+          </p:nvPr>
+        </p:nvSpPr>
+        <p:spPr/>
+        <p:txBody>
+          <a:bodyPr/>
+          <a:lstStyle/>
+          <a:p>
+            <a:r>
+              <a:rPr lang="en-US" dirty="0"/>
+              <a:t>Regression Test</a:t>
+            </a:r>
+          </a:p>
+        </p:txBody>
+      </p:sp>
+      <p:sp>
+        <p:nvSpPr>
+          <p:cNvPr id="3" name="Content Placeholder 2">
+            <a:extLst>
+              <a:ext uri="{FF2B5EF4-FFF2-40B4-BE49-F238E27FC236}">
+                <a16:creationId xmlns:a16="http://schemas.microsoft.com/office/drawing/2014/main" id="{F1CC198F-6543-48F8-ADAD-0290B267E227}"/>
+              </a:ext>
+            </a:extLst>
+          </p:cNvPr>
+          <p:cNvSpPr>
+            <a:spLocks noGrp="1"/>
+          </p:cNvSpPr>
+          <p:nvPr>
+            <p:ph idx="1"/>
+          </p:nvPr>
+        </p:nvSpPr>
+        <p:spPr>
+          <a:xfrm>
+            <a:off x="1097280" y="1845734"/>
+            <a:ext cx="3462528" cy="4023360"/>
+          </a:xfrm>
+        </p:spPr>
+        <p:txBody>
+          <a:bodyPr/>
+          <a:lstStyle/>
+          <a:p>
+            <a:r>
+              <a:rPr lang="en-US" dirty="0"/>
+              <a:t>Unfortunately, we were unable to find a statistically significant relationship between the offensive rank of the winning team and the margin of victory, the R Squared value was 0.343.</a:t>
+            </a:r>
+          </a:p>
+          <a:p>
+            <a:r>
+              <a:rPr lang="en-US" dirty="0"/>
+              <a:t>Based on the data, there was no way to say that a superior offense would lead to covering the spread. </a:t>
+            </a:r>
+          </a:p>
+        </p:txBody>
+      </p:sp>
+      <p:pic>
+        <p:nvPicPr>
+          <p:cNvPr id="5" name="Picture 4" descr="A screenshot of a cell phone&#10;&#10;Description automatically generated">
+            <a:extLst>
+              <a:ext uri="{FF2B5EF4-FFF2-40B4-BE49-F238E27FC236}">
+                <a16:creationId xmlns:a16="http://schemas.microsoft.com/office/drawing/2014/main" id="{F8B73DD4-4849-4E2B-A495-27FBF0F1FA60}"/>
+              </a:ext>
+            </a:extLst>
+          </p:cNvPr>
+          <p:cNvPicPr>
+            <a:picLocks noChangeAspect="1"/>
+          </p:cNvPicPr>
+          <p:nvPr/>
+        </p:nvPicPr>
+        <p:blipFill>
+          <a:blip r:embed="rId2">
+            <a:extLst>
+              <a:ext uri="{28A0092B-C50C-407E-A947-70E740481C1C}">
+                <a14:useLocalDpi xmlns:a14="http://schemas.microsoft.com/office/drawing/2010/main" val="0"/>
+              </a:ext>
+            </a:extLst>
+          </a:blip>
+          <a:stretch>
+            <a:fillRect/>
+          </a:stretch>
+        </p:blipFill>
+        <p:spPr>
+          <a:xfrm>
+            <a:off x="4754254" y="1845734"/>
+            <a:ext cx="6401425" cy="4267616"/>
+          </a:xfrm>
+          <a:prstGeom prst="rect">
+            <a:avLst/>
+          </a:prstGeom>
+        </p:spPr>
+      </p:pic>
+    </p:spTree>
+    <p:extLst>
+      <p:ext uri="{BB962C8B-B14F-4D97-AF65-F5344CB8AC3E}">
+        <p14:creationId xmlns:p14="http://schemas.microsoft.com/office/powerpoint/2010/main" val="111373455"/>
       </p:ext>
     </p:extLst>
   </p:cSld>

--- a/NFL Spreads.pptx
+++ b/NFL Spreads.pptx
@@ -349,7 +349,7 @@
           <a:p>
             <a:fld id="{C9A1FF91-8913-4E34-9190-373084C476C1}" type="datetimeFigureOut">
               <a:rPr lang="en-US" smtClean="0"/>
-              <a:t>7/29/2019</a:t>
+              <a:t>7/30/2019</a:t>
             </a:fld>
             <a:endParaRPr lang="en-US"/>
           </a:p>
@@ -557,7 +557,7 @@
           <a:p>
             <a:fld id="{C9A1FF91-8913-4E34-9190-373084C476C1}" type="datetimeFigureOut">
               <a:rPr lang="en-US" smtClean="0"/>
-              <a:t>7/29/2019</a:t>
+              <a:t>7/30/2019</a:t>
             </a:fld>
             <a:endParaRPr lang="en-US"/>
           </a:p>
@@ -813,7 +813,7 @@
           <a:p>
             <a:fld id="{C9A1FF91-8913-4E34-9190-373084C476C1}" type="datetimeFigureOut">
               <a:rPr lang="en-US" smtClean="0"/>
-              <a:t>7/29/2019</a:t>
+              <a:t>7/30/2019</a:t>
             </a:fld>
             <a:endParaRPr lang="en-US"/>
           </a:p>
@@ -987,7 +987,7 @@
           <a:p>
             <a:fld id="{C9A1FF91-8913-4E34-9190-373084C476C1}" type="datetimeFigureOut">
               <a:rPr lang="en-US" smtClean="0"/>
-              <a:t>7/29/2019</a:t>
+              <a:t>7/30/2019</a:t>
             </a:fld>
             <a:endParaRPr lang="en-US"/>
           </a:p>
@@ -1330,7 +1330,7 @@
           <a:p>
             <a:fld id="{C9A1FF91-8913-4E34-9190-373084C476C1}" type="datetimeFigureOut">
               <a:rPr lang="en-US" smtClean="0"/>
-              <a:t>7/29/2019</a:t>
+              <a:t>7/30/2019</a:t>
             </a:fld>
             <a:endParaRPr lang="en-US"/>
           </a:p>
@@ -1605,7 +1605,7 @@
           <a:p>
             <a:fld id="{C9A1FF91-8913-4E34-9190-373084C476C1}" type="datetimeFigureOut">
               <a:rPr lang="en-US" smtClean="0"/>
-              <a:t>7/29/2019</a:t>
+              <a:t>7/30/2019</a:t>
             </a:fld>
             <a:endParaRPr lang="en-US"/>
           </a:p>
@@ -1984,7 +1984,7 @@
           <a:p>
             <a:fld id="{C9A1FF91-8913-4E34-9190-373084C476C1}" type="datetimeFigureOut">
               <a:rPr lang="en-US" smtClean="0"/>
-              <a:t>7/29/2019</a:t>
+              <a:t>7/30/2019</a:t>
             </a:fld>
             <a:endParaRPr lang="en-US"/>
           </a:p>
@@ -2102,7 +2102,7 @@
           <a:p>
             <a:fld id="{C9A1FF91-8913-4E34-9190-373084C476C1}" type="datetimeFigureOut">
               <a:rPr lang="en-US" smtClean="0"/>
-              <a:t>7/29/2019</a:t>
+              <a:t>7/30/2019</a:t>
             </a:fld>
             <a:endParaRPr lang="en-US"/>
           </a:p>
@@ -2273,7 +2273,7 @@
           <a:p>
             <a:fld id="{C9A1FF91-8913-4E34-9190-373084C476C1}" type="datetimeFigureOut">
               <a:rPr lang="en-US" smtClean="0"/>
-              <a:t>7/29/2019</a:t>
+              <a:t>7/30/2019</a:t>
             </a:fld>
             <a:endParaRPr lang="en-US"/>
           </a:p>
@@ -2627,7 +2627,7 @@
           <a:p>
             <a:fld id="{C9A1FF91-8913-4E34-9190-373084C476C1}" type="datetimeFigureOut">
               <a:rPr lang="en-US" smtClean="0"/>
-              <a:t>7/29/2019</a:t>
+              <a:t>7/30/2019</a:t>
             </a:fld>
             <a:endParaRPr lang="en-US"/>
           </a:p>
@@ -3009,7 +3009,7 @@
           <a:p>
             <a:fld id="{C9A1FF91-8913-4E34-9190-373084C476C1}" type="datetimeFigureOut">
               <a:rPr lang="en-US" smtClean="0"/>
-              <a:t>7/29/2019</a:t>
+              <a:t>7/30/2019</a:t>
             </a:fld>
             <a:endParaRPr lang="en-US"/>
           </a:p>
@@ -3296,7 +3296,7 @@
           <a:p>
             <a:fld id="{C9A1FF91-8913-4E34-9190-373084C476C1}" type="datetimeFigureOut">
               <a:rPr lang="en-US" smtClean="0"/>
-              <a:t>7/29/2019</a:t>
+              <a:t>7/30/2019</a:t>
             </a:fld>
             <a:endParaRPr lang="en-US"/>
           </a:p>
@@ -4834,7 +4834,7 @@
         <p:spPr>
           <a:xfrm>
             <a:off x="1097280" y="1845734"/>
-            <a:ext cx="4477897" cy="1583266"/>
+            <a:ext cx="4740920" cy="1583266"/>
           </a:xfrm>
         </p:spPr>
         <p:txBody>
@@ -4850,10 +4850,10 @@
       </p:sp>
       <p:pic>
         <p:nvPicPr>
-          <p:cNvPr id="8" name="Picture 7" descr="A close up of a logo&#10;&#10;Description automatically generated">
+          <p:cNvPr id="5" name="Picture 4" descr="A picture containing text&#10;&#10;Description automatically generated">
             <a:extLst>
               <a:ext uri="{FF2B5EF4-FFF2-40B4-BE49-F238E27FC236}">
-                <a16:creationId xmlns:a16="http://schemas.microsoft.com/office/drawing/2014/main" id="{944E3B36-1AEF-4D4F-B0AD-E2B965FB967B}"/>
+                <a16:creationId xmlns:a16="http://schemas.microsoft.com/office/drawing/2014/main" id="{1DE6D52D-DF0A-4416-A42B-E9F074AEAF56}"/>
               </a:ext>
             </a:extLst>
           </p:cNvPr>
@@ -4876,8 +4876,44 @@
         </p:blipFill>
         <p:spPr>
           <a:xfrm>
-            <a:off x="1561475" y="3429000"/>
-            <a:ext cx="3915401" cy="2610267"/>
+            <a:off x="5838200" y="1845734"/>
+            <a:ext cx="6146800" cy="4097866"/>
+          </a:xfrm>
+          <a:prstGeom prst="rect">
+            <a:avLst/>
+          </a:prstGeom>
+        </p:spPr>
+      </p:pic>
+      <p:pic>
+        <p:nvPicPr>
+          <p:cNvPr id="7" name="Picture 6" descr="A close up of a logo&#10;&#10;Description automatically generated">
+            <a:extLst>
+              <a:ext uri="{FF2B5EF4-FFF2-40B4-BE49-F238E27FC236}">
+                <a16:creationId xmlns:a16="http://schemas.microsoft.com/office/drawing/2014/main" id="{1F6B6DA2-9516-494C-8DF2-1F9ABF0465AA}"/>
+              </a:ext>
+            </a:extLst>
+          </p:cNvPr>
+          <p:cNvPicPr>
+            <a:picLocks noChangeAspect="1"/>
+          </p:cNvPicPr>
+          <p:nvPr/>
+        </p:nvPicPr>
+        <p:blipFill>
+          <a:blip r:embed="rId3">
+            <a:extLst>
+              <a:ext uri="{28A0092B-C50C-407E-A947-70E740481C1C}">
+                <a14:useLocalDpi xmlns:a14="http://schemas.microsoft.com/office/drawing/2010/main" val="0"/>
+              </a:ext>
+            </a:extLst>
+          </a:blip>
+          <a:stretch>
+            <a:fillRect/>
+          </a:stretch>
+        </p:blipFill>
+        <p:spPr>
+          <a:xfrm>
+            <a:off x="1183109" y="2980595"/>
+            <a:ext cx="4306238" cy="3349297"/>
           </a:xfrm>
           <a:prstGeom prst="rect">
             <a:avLst/>

--- a/NFL Spreads.pptx
+++ b/NFL Spreads.pptx
@@ -4329,16 +4329,19 @@
           <a:p>
             <a:r>
               <a:rPr lang="en-US" dirty="0"/>
-              <a:t>Define the Spread, give an example</a:t>
-            </a:r>
-          </a:p>
-          <a:p>
-            <a:endParaRPr lang="en-US" dirty="0"/>
+              <a:t>What is the Spread?</a:t>
+            </a:r>
           </a:p>
           <a:p>
             <a:r>
               <a:rPr lang="en-US" dirty="0"/>
-              <a:t>Football season is around the corner, as fans, we are always looking for a way to inherently find patterns, or gain an advantage in an environment designed for parity</a:t>
+              <a:t>If the Texans are favored by 7, and win by 10, they covered the spread</a:t>
+            </a:r>
+          </a:p>
+          <a:p>
+            <a:r>
+              <a:rPr lang="en-US" dirty="0"/>
+              <a:t>Football season is around the corner! As fans, we are always looking for a way to inherently find patterns, or gain an advantage in an environment designed for parity</a:t>
             </a:r>
           </a:p>
           <a:p>
